--- a/figure.pptx
+++ b/figure.pptx
@@ -259,7 +259,7 @@
           <a:p>
             <a:fld id="{141A3261-1BDC-A642-B581-5D253F3265C8}" type="datetimeFigureOut">
               <a:rPr lang="en-US" smtClean="0"/>
-              <a:t>2/7/21</a:t>
+              <a:t>3/9/21</a:t>
             </a:fld>
             <a:endParaRPr lang="en-US"/>
           </a:p>
@@ -457,7 +457,7 @@
           <a:p>
             <a:fld id="{141A3261-1BDC-A642-B581-5D253F3265C8}" type="datetimeFigureOut">
               <a:rPr lang="en-US" smtClean="0"/>
-              <a:t>2/7/21</a:t>
+              <a:t>3/9/21</a:t>
             </a:fld>
             <a:endParaRPr lang="en-US"/>
           </a:p>
@@ -665,7 +665,7 @@
           <a:p>
             <a:fld id="{141A3261-1BDC-A642-B581-5D253F3265C8}" type="datetimeFigureOut">
               <a:rPr lang="en-US" smtClean="0"/>
-              <a:t>2/7/21</a:t>
+              <a:t>3/9/21</a:t>
             </a:fld>
             <a:endParaRPr lang="en-US"/>
           </a:p>
@@ -863,7 +863,7 @@
           <a:p>
             <a:fld id="{141A3261-1BDC-A642-B581-5D253F3265C8}" type="datetimeFigureOut">
               <a:rPr lang="en-US" smtClean="0"/>
-              <a:t>2/7/21</a:t>
+              <a:t>3/9/21</a:t>
             </a:fld>
             <a:endParaRPr lang="en-US"/>
           </a:p>
@@ -1138,7 +1138,7 @@
           <a:p>
             <a:fld id="{141A3261-1BDC-A642-B581-5D253F3265C8}" type="datetimeFigureOut">
               <a:rPr lang="en-US" smtClean="0"/>
-              <a:t>2/7/21</a:t>
+              <a:t>3/9/21</a:t>
             </a:fld>
             <a:endParaRPr lang="en-US"/>
           </a:p>
@@ -1403,7 +1403,7 @@
           <a:p>
             <a:fld id="{141A3261-1BDC-A642-B581-5D253F3265C8}" type="datetimeFigureOut">
               <a:rPr lang="en-US" smtClean="0"/>
-              <a:t>2/7/21</a:t>
+              <a:t>3/9/21</a:t>
             </a:fld>
             <a:endParaRPr lang="en-US"/>
           </a:p>
@@ -1815,7 +1815,7 @@
           <a:p>
             <a:fld id="{141A3261-1BDC-A642-B581-5D253F3265C8}" type="datetimeFigureOut">
               <a:rPr lang="en-US" smtClean="0"/>
-              <a:t>2/7/21</a:t>
+              <a:t>3/9/21</a:t>
             </a:fld>
             <a:endParaRPr lang="en-US"/>
           </a:p>
@@ -1956,7 +1956,7 @@
           <a:p>
             <a:fld id="{141A3261-1BDC-A642-B581-5D253F3265C8}" type="datetimeFigureOut">
               <a:rPr lang="en-US" smtClean="0"/>
-              <a:t>2/7/21</a:t>
+              <a:t>3/9/21</a:t>
             </a:fld>
             <a:endParaRPr lang="en-US"/>
           </a:p>
@@ -2069,7 +2069,7 @@
           <a:p>
             <a:fld id="{141A3261-1BDC-A642-B581-5D253F3265C8}" type="datetimeFigureOut">
               <a:rPr lang="en-US" smtClean="0"/>
-              <a:t>2/7/21</a:t>
+              <a:t>3/9/21</a:t>
             </a:fld>
             <a:endParaRPr lang="en-US"/>
           </a:p>
@@ -2380,7 +2380,7 @@
           <a:p>
             <a:fld id="{141A3261-1BDC-A642-B581-5D253F3265C8}" type="datetimeFigureOut">
               <a:rPr lang="en-US" smtClean="0"/>
-              <a:t>2/7/21</a:t>
+              <a:t>3/9/21</a:t>
             </a:fld>
             <a:endParaRPr lang="en-US"/>
           </a:p>
@@ -2668,7 +2668,7 @@
           <a:p>
             <a:fld id="{141A3261-1BDC-A642-B581-5D253F3265C8}" type="datetimeFigureOut">
               <a:rPr lang="en-US" smtClean="0"/>
-              <a:t>2/7/21</a:t>
+              <a:t>3/9/21</a:t>
             </a:fld>
             <a:endParaRPr lang="en-US"/>
           </a:p>
@@ -2909,7 +2909,7 @@
           <a:p>
             <a:fld id="{141A3261-1BDC-A642-B581-5D253F3265C8}" type="datetimeFigureOut">
               <a:rPr lang="en-US" smtClean="0"/>
-              <a:t>2/7/21</a:t>
+              <a:t>3/9/21</a:t>
             </a:fld>
             <a:endParaRPr lang="en-US"/>
           </a:p>
@@ -3326,6 +3326,35 @@
           <a:chExt cx="0" cy="0"/>
         </a:xfrm>
       </p:grpSpPr>
+      <p:pic>
+        <p:nvPicPr>
+          <p:cNvPr id="3" name="Picture 2" descr="Chart, scatter chart&#10;&#10;Description automatically generated">
+            <a:extLst>
+              <a:ext uri="{FF2B5EF4-FFF2-40B4-BE49-F238E27FC236}">
+                <a16:creationId xmlns:a16="http://schemas.microsoft.com/office/drawing/2014/main" id="{A9A00557-4A9A-A040-A864-CD88C51A6862}"/>
+              </a:ext>
+            </a:extLst>
+          </p:cNvPr>
+          <p:cNvPicPr>
+            <a:picLocks noChangeAspect="1"/>
+          </p:cNvPicPr>
+          <p:nvPr/>
+        </p:nvPicPr>
+        <p:blipFill rotWithShape="1">
+          <a:blip r:embed="rId2"/>
+          <a:srcRect l="2460" b="3522"/>
+          <a:stretch/>
+        </p:blipFill>
+        <p:spPr>
+          <a:xfrm>
+            <a:off x="1759789" y="0"/>
+            <a:ext cx="9522086" cy="6616460"/>
+          </a:xfrm>
+          <a:prstGeom prst="rect">
+            <a:avLst/>
+          </a:prstGeom>
+        </p:spPr>
+      </p:pic>
       <p:sp>
         <p:nvSpPr>
           <p:cNvPr id="4" name="AutoShape 2">
@@ -3461,36 +3490,6 @@
           </a:p>
         </p:txBody>
       </p:sp>
-      <p:pic>
-        <p:nvPicPr>
-          <p:cNvPr id="10" name="Picture 9" descr="Chart&#10;&#10;Description automatically generated with medium confidence">
-            <a:extLst>
-              <a:ext uri="{FF2B5EF4-FFF2-40B4-BE49-F238E27FC236}">
-                <a16:creationId xmlns:a16="http://schemas.microsoft.com/office/drawing/2014/main" id="{74AB3B27-8130-7F4B-A7E8-D6DEE35E1333}"/>
-              </a:ext>
-            </a:extLst>
-          </p:cNvPr>
-          <p:cNvPicPr>
-            <a:picLocks noChangeAspect="1"/>
-          </p:cNvPicPr>
-          <p:nvPr/>
-        </p:nvPicPr>
-        <p:blipFill>
-          <a:blip r:embed="rId2"/>
-          <a:stretch>
-            <a:fillRect/>
-          </a:stretch>
-        </p:blipFill>
-        <p:spPr>
-          <a:xfrm>
-            <a:off x="1651000" y="364524"/>
-            <a:ext cx="8890000" cy="5486400"/>
-          </a:xfrm>
-          <a:prstGeom prst="rect">
-            <a:avLst/>
-          </a:prstGeom>
-        </p:spPr>
-      </p:pic>
       <p:sp>
         <p:nvSpPr>
           <p:cNvPr id="11" name="Rectangle 10">
@@ -3504,8 +3503,8 @@
           <p:nvPr/>
         </p:nvSpPr>
         <p:spPr>
-          <a:xfrm>
-            <a:off x="3916392" y="5587524"/>
+          <a:xfrm rot="16200000">
+            <a:off x="-1077238" y="2870203"/>
             <a:ext cx="4968815" cy="561353"/>
           </a:xfrm>
           <a:prstGeom prst="rect">
@@ -3699,8 +3698,8 @@
           <p:nvPr/>
         </p:nvSpPr>
         <p:spPr>
-          <a:xfrm rot="16200000">
-            <a:off x="-833408" y="2568255"/>
+          <a:xfrm>
+            <a:off x="3916392" y="5850631"/>
             <a:ext cx="4968815" cy="561353"/>
           </a:xfrm>
           <a:prstGeom prst="rect">
@@ -3791,149 +3790,6 @@
               <a:t>2020)</a:t>
             </a:r>
             <a:endParaRPr lang="en-US" dirty="0">
-              <a:solidFill>
-                <a:sysClr val="windowText" lastClr="000000"/>
-              </a:solidFill>
-            </a:endParaRPr>
-          </a:p>
-        </p:txBody>
-      </p:sp>
-      <p:sp>
-        <p:nvSpPr>
-          <p:cNvPr id="13" name="Rectangle 12">
-            <a:extLst>
-              <a:ext uri="{FF2B5EF4-FFF2-40B4-BE49-F238E27FC236}">
-                <a16:creationId xmlns:a16="http://schemas.microsoft.com/office/drawing/2014/main" id="{6928ADFF-6D68-704A-9162-29FADF297123}"/>
-              </a:ext>
-            </a:extLst>
-          </p:cNvPr>
-          <p:cNvSpPr/>
-          <p:nvPr/>
-        </p:nvSpPr>
-        <p:spPr>
-          <a:xfrm>
-            <a:off x="3916392" y="5366443"/>
-            <a:ext cx="6021237" cy="221081"/>
-          </a:xfrm>
-          <a:prstGeom prst="rect">
-            <a:avLst/>
-          </a:prstGeom>
-          <a:solidFill>
-            <a:schemeClr val="bg1"/>
-          </a:solidFill>
-          <a:ln>
-            <a:noFill/>
-          </a:ln>
-        </p:spPr>
-        <p:style>
-          <a:lnRef idx="2">
-            <a:schemeClr val="accent1">
-              <a:shade val="50000"/>
-            </a:schemeClr>
-          </a:lnRef>
-          <a:fillRef idx="1">
-            <a:schemeClr val="accent1"/>
-          </a:fillRef>
-          <a:effectRef idx="0">
-            <a:schemeClr val="accent1"/>
-          </a:effectRef>
-          <a:fontRef idx="minor">
-            <a:schemeClr val="lt1"/>
-          </a:fontRef>
-        </p:style>
-        <p:txBody>
-          <a:bodyPr rtlCol="0" anchor="ctr"/>
-          <a:lstStyle/>
-          <a:p>
-            <a:r>
-              <a:rPr lang="en-US" altLang="zh-CN" sz="1050" dirty="0">
-                <a:solidFill>
-                  <a:sysClr val="windowText" lastClr="000000"/>
-                </a:solidFill>
-              </a:rPr>
-              <a:t>-15%</a:t>
-            </a:r>
-            <a:r>
-              <a:rPr lang="zh-CN" altLang="en-US" sz="1050" dirty="0">
-                <a:solidFill>
-                  <a:sysClr val="windowText" lastClr="000000"/>
-                </a:solidFill>
-              </a:rPr>
-              <a:t>        </a:t>
-            </a:r>
-            <a:r>
-              <a:rPr lang="en-US" altLang="zh-CN" sz="1050" dirty="0">
-                <a:solidFill>
-                  <a:sysClr val="windowText" lastClr="000000"/>
-                </a:solidFill>
-              </a:rPr>
-              <a:t>	</a:t>
-            </a:r>
-            <a:r>
-              <a:rPr lang="zh-CN" altLang="en-US" sz="1050" dirty="0">
-                <a:solidFill>
-                  <a:sysClr val="windowText" lastClr="000000"/>
-                </a:solidFill>
-              </a:rPr>
-              <a:t>   </a:t>
-            </a:r>
-            <a:r>
-              <a:rPr lang="en-US" altLang="zh-CN" sz="1050" dirty="0">
-                <a:solidFill>
-                  <a:sysClr val="windowText" lastClr="000000"/>
-                </a:solidFill>
-              </a:rPr>
-              <a:t>	</a:t>
-            </a:r>
-            <a:r>
-              <a:rPr lang="zh-CN" altLang="en-US" sz="1050" dirty="0">
-                <a:solidFill>
-                  <a:sysClr val="windowText" lastClr="000000"/>
-                </a:solidFill>
-              </a:rPr>
-              <a:t>               </a:t>
-            </a:r>
-            <a:r>
-              <a:rPr lang="en-US" altLang="zh-CN" sz="1050" dirty="0">
-                <a:solidFill>
-                  <a:sysClr val="windowText" lastClr="000000"/>
-                </a:solidFill>
-              </a:rPr>
-              <a:t>-10%</a:t>
-            </a:r>
-            <a:r>
-              <a:rPr lang="zh-CN" altLang="en-US" sz="1050" dirty="0">
-                <a:solidFill>
-                  <a:sysClr val="windowText" lastClr="000000"/>
-                </a:solidFill>
-              </a:rPr>
-              <a:t> </a:t>
-            </a:r>
-            <a:r>
-              <a:rPr lang="en-US" altLang="zh-CN" sz="1050" dirty="0">
-                <a:solidFill>
-                  <a:sysClr val="windowText" lastClr="000000"/>
-                </a:solidFill>
-              </a:rPr>
-              <a:t>		</a:t>
-            </a:r>
-            <a:r>
-              <a:rPr lang="zh-CN" altLang="en-US" sz="1050" dirty="0">
-                <a:solidFill>
-                  <a:sysClr val="windowText" lastClr="000000"/>
-                </a:solidFill>
-              </a:rPr>
-              <a:t>                               </a:t>
-            </a:r>
-            <a:r>
-              <a:rPr lang="en-US" altLang="zh-CN" sz="1050" dirty="0">
-                <a:solidFill>
-                  <a:sysClr val="windowText" lastClr="000000"/>
-                </a:solidFill>
-              </a:rPr>
-              <a:t>-5%</a:t>
-            </a:r>
-            <a:endParaRPr lang="en-US" sz="1050" dirty="0">
               <a:solidFill>
                 <a:sysClr val="windowText" lastClr="000000"/>
               </a:solidFill>
